--- a/Documentation/Demo Presentation/week12_presentation.pptx
+++ b/Documentation/Demo Presentation/week12_presentation.pptx
@@ -137,14 +137,6 @@
 </p:presentation>
 </file>
 
-<file path=ppt/revisionInfo.xml><?xml version="1.0" encoding="utf-8"?>
-<p1510:revInfo xmlns:a="http://schemas.openxmlformats.org/drawingml/2006/main" xmlns:r="http://schemas.openxmlformats.org/officeDocument/2006/relationships" xmlns:p1510="http://schemas.microsoft.com/office/powerpoint/2015/10/main">
-  <p1510:revLst>
-    <p1510:client id="{2E9512F1-0914-408A-B713-859A60BF859E}" v="2" dt="2021-03-25T17:08:46.782"/>
-  </p1510:revLst>
-</p1510:revInfo>
-</file>
-
 <file path=ppt/handoutMasters/handoutMaster1.xml><?xml version="1.0" encoding="utf-8"?>
 <p:handoutMaster xmlns:a="http://schemas.openxmlformats.org/drawingml/2006/main" xmlns:r="http://schemas.openxmlformats.org/officeDocument/2006/relationships" xmlns:p="http://schemas.openxmlformats.org/presentationml/2006/main">
   <p:cSld>
@@ -239,7 +231,7 @@
           <a:p>
             <a:fld id="{1CA5457B-CDAE-4DEB-AEC8-C82DE2312E37}" type="datetimeFigureOut">
               <a:rPr lang="en-US" smtClean="0"/>
-              <a:t>5/16/2021</a:t>
+              <a:t>5/17/2021</a:t>
             </a:fld>
             <a:endParaRPr lang="en-US" dirty="0"/>
           </a:p>
@@ -416,7 +408,7 @@
           <a:p>
             <a:fld id="{090B78EA-28CE-41D8-9043-90E391E5F567}" type="datetimeFigureOut">
               <a:rPr lang="en-US" noProof="0" smtClean="0"/>
-              <a:t>5/16/2021</a:t>
+              <a:t>5/17/2021</a:t>
             </a:fld>
             <a:endParaRPr lang="en-US" noProof="0" dirty="0"/>
           </a:p>
@@ -25879,7 +25871,7 @@
                 <a14:useLocalDpi xmlns:a14="http://schemas.microsoft.com/office/drawing/2010/main"/>
               </a:ext>
               <a:ext uri="{96DAC541-7B7A-43D3-8B79-37D633B846F1}">
-                <asvg:svgBlip xmlns:asvg="http://schemas.microsoft.com/office/drawing/2016/SVG/main" xmlns="" r:embed="rId3"/>
+                <asvg:svgBlip xmlns:asvg="http://schemas.microsoft.com/office/drawing/2016/SVG/main" r:embed="rId3"/>
               </a:ext>
             </a:extLst>
           </a:blip>
@@ -25922,16 +25914,15 @@
           <a:lstStyle/>
           <a:p>
             <a:r>
-              <a:rPr lang="en-US" sz="2000" dirty="0" smtClean="0"/>
+              <a:rPr lang="en-US" sz="2000" dirty="0"/>
               <a:t>New</a:t>
             </a:r>
           </a:p>
           <a:p>
             <a:r>
-              <a:rPr lang="en-US" sz="2000" dirty="0" smtClean="0"/>
+              <a:rPr lang="en-US" sz="2000" dirty="0"/>
               <a:t>Changes</a:t>
             </a:r>
-            <a:endParaRPr lang="en-US" sz="2000" dirty="0"/>
           </a:p>
         </p:txBody>
       </p:sp>
@@ -25958,7 +25949,7 @@
                 <a14:useLocalDpi xmlns:a14="http://schemas.microsoft.com/office/drawing/2010/main"/>
               </a:ext>
               <a:ext uri="{96DAC541-7B7A-43D3-8B79-37D633B846F1}">
-                <asvg:svgBlip xmlns:asvg="http://schemas.microsoft.com/office/drawing/2016/SVG/main" xmlns="" r:embed="rId5"/>
+                <asvg:svgBlip xmlns:asvg="http://schemas.microsoft.com/office/drawing/2016/SVG/main" r:embed="rId5"/>
               </a:ext>
             </a:extLst>
           </a:blip>
@@ -26001,10 +25992,9 @@
           <a:lstStyle/>
           <a:p>
             <a:r>
-              <a:rPr lang="en-US" sz="2000" dirty="0" smtClean="0"/>
+              <a:rPr lang="en-US" sz="2000" dirty="0"/>
               <a:t>Demo</a:t>
             </a:r>
-            <a:endParaRPr lang="en-US" sz="2000" dirty="0"/>
           </a:p>
         </p:txBody>
       </p:sp>
@@ -26031,7 +26021,7 @@
                 <a14:useLocalDpi xmlns:a14="http://schemas.microsoft.com/office/drawing/2010/main"/>
               </a:ext>
               <a:ext uri="{96DAC541-7B7A-43D3-8B79-37D633B846F1}">
-                <asvg:svgBlip xmlns:asvg="http://schemas.microsoft.com/office/drawing/2016/SVG/main" xmlns="" r:embed="rId7"/>
+                <asvg:svgBlip xmlns:asvg="http://schemas.microsoft.com/office/drawing/2016/SVG/main" r:embed="rId7"/>
               </a:ext>
             </a:extLst>
           </a:blip>
@@ -26182,7 +26172,7 @@
           <a:p>
             <a:r>
               <a:rPr lang="en-US" sz="7200" dirty="0"/>
-              <a:t>Demo</a:t>
+              <a:t>New changes</a:t>
             </a:r>
           </a:p>
         </p:txBody>
@@ -26253,55 +26243,12 @@
               <a:buChar char="•"/>
             </a:pPr>
             <a:r>
-              <a:rPr lang="en-US" sz="2000" dirty="0" smtClean="0">
+              <a:rPr lang="en-US" sz="2000" dirty="0">
                 <a:solidFill>
                   <a:schemeClr val="bg1"/>
                 </a:solidFill>
               </a:rPr>
               <a:t>Department</a:t>
-            </a:r>
-            <a:endParaRPr lang="en-US" sz="2000" dirty="0">
-              <a:solidFill>
-                <a:schemeClr val="bg1"/>
-              </a:solidFill>
-            </a:endParaRPr>
-          </a:p>
-          <a:p>
-            <a:pPr marL="285750" indent="-285750"/>
-            <a:r>
-              <a:rPr lang="en-US" sz="2000" dirty="0">
-                <a:solidFill>
-                  <a:schemeClr val="bg1"/>
-                </a:solidFill>
-              </a:rPr>
-              <a:t>Cashier </a:t>
-            </a:r>
-            <a:r>
-              <a:rPr lang="en-US" sz="2000" dirty="0" smtClean="0">
-                <a:solidFill>
-                  <a:schemeClr val="bg1"/>
-                </a:solidFill>
-              </a:rPr>
-              <a:t>App</a:t>
-            </a:r>
-          </a:p>
-          <a:p>
-            <a:pPr marL="285750" indent="-285750"/>
-            <a:r>
-              <a:rPr lang="en-US" sz="2000" dirty="0" smtClean="0">
-                <a:solidFill>
-                  <a:schemeClr val="bg1"/>
-                </a:solidFill>
-              </a:rPr>
-              <a:t>Employee </a:t>
-            </a:r>
-            <a:r>
-              <a:rPr lang="en-US" sz="2000" dirty="0">
-                <a:solidFill>
-                  <a:schemeClr val="bg1"/>
-                </a:solidFill>
-              </a:rPr>
-              <a:t>Statistics</a:t>
             </a:r>
           </a:p>
           <a:p>
@@ -26312,21 +26259,30 @@
                   <a:schemeClr val="bg1"/>
                 </a:solidFill>
               </a:rPr>
-              <a:t>Store workers </a:t>
+              <a:t>Cashier App</a:t>
             </a:r>
+          </a:p>
+          <a:p>
+            <a:pPr marL="285750" indent="-285750"/>
             <a:r>
-              <a:rPr lang="en-US" sz="2000" dirty="0" smtClean="0">
+              <a:rPr lang="en-US" sz="2000" dirty="0">
                 <a:solidFill>
                   <a:schemeClr val="bg1"/>
                 </a:solidFill>
               </a:rPr>
-              <a:t>schedule</a:t>
+              <a:t>Employee Statistics</a:t>
             </a:r>
-            <a:endParaRPr lang="en-US" sz="2000" dirty="0" smtClean="0">
-              <a:solidFill>
-                <a:schemeClr val="bg1"/>
-              </a:solidFill>
-            </a:endParaRPr>
+          </a:p>
+          <a:p>
+            <a:pPr marL="285750" indent="-285750"/>
+            <a:r>
+              <a:rPr lang="en-US" sz="2000" dirty="0">
+                <a:solidFill>
+                  <a:schemeClr val="bg1"/>
+                </a:solidFill>
+              </a:rPr>
+              <a:t>Store workers schedule</a:t>
+            </a:r>
           </a:p>
           <a:p>
             <a:pPr marL="285750" indent="-285750">
@@ -26334,18 +26290,13 @@
               <a:buChar char="•"/>
             </a:pPr>
             <a:r>
-              <a:rPr lang="en-US" sz="2000" dirty="0" smtClean="0">
+              <a:rPr lang="en-US" sz="2000" dirty="0">
                 <a:solidFill>
                   <a:schemeClr val="bg1"/>
                 </a:solidFill>
               </a:rPr>
               <a:t>Website</a:t>
             </a:r>
-            <a:endParaRPr lang="en-US" sz="2000" dirty="0">
-              <a:solidFill>
-                <a:schemeClr val="bg1"/>
-              </a:solidFill>
-            </a:endParaRPr>
           </a:p>
           <a:p>
             <a:pPr marL="285750" indent="-285750">
@@ -26378,13 +26329,6 @@
       </p:transition>
     </mc:Fallback>
   </mc:AlternateContent>
-  <p:timing>
-    <p:tnLst>
-      <p:par>
-        <p:cTn id="1" dur="indefinite" restart="never" nodeType="tmRoot"/>
-      </p:par>
-    </p:tnLst>
-  </p:timing>
 </p:sld>
 </file>
 
@@ -26555,13 +26499,6 @@
   <p:transition spd="slow">
     <p:wipe/>
   </p:transition>
-  <p:timing>
-    <p:tnLst>
-      <p:par>
-        <p:cTn id="1" dur="indefinite" restart="never" nodeType="tmRoot"/>
-      </p:par>
-    </p:tnLst>
-  </p:timing>
 </p:sld>
 </file>
 
@@ -27495,6 +27432,23 @@
 </file>
 
 <file path=customXml/item1.xml><?xml version="1.0" encoding="utf-8"?>
+<p:properties xmlns:p="http://schemas.microsoft.com/office/2006/metadata/properties" xmlns:xsi="http://www.w3.org/2001/XMLSchema-instance" xmlns:pc="http://schemas.microsoft.com/office/infopath/2007/PartnerControls">
+  <documentManagement>
+    <MediaServiceKeyPoints xmlns="71af3243-3dd4-4a8d-8c0d-dd76da1f02a5" xsi:nil="true"/>
+  </documentManagement>
+</p:properties>
+</file>
+
+<file path=customXml/item2.xml><?xml version="1.0" encoding="utf-8"?>
+<?mso-contentType ?>
+<FormTemplates xmlns="http://schemas.microsoft.com/sharepoint/v3/contenttype/forms">
+  <Display>DocumentLibraryForm</Display>
+  <Edit>DocumentLibraryForm</Edit>
+  <New>DocumentLibraryForm</New>
+</FormTemplates>
+</file>
+
+<file path=customXml/item3.xml><?xml version="1.0" encoding="utf-8"?>
 <ct:contentTypeSchema xmlns:ct="http://schemas.microsoft.com/office/2006/metadata/contentType" xmlns:ma="http://schemas.microsoft.com/office/2006/metadata/properties/metaAttributes" ct:_="" ma:_="" ma:contentTypeName="Document" ma:contentTypeID="0x01010079F111ED35F8CC479449609E8A0923A6" ma:contentTypeVersion="11" ma:contentTypeDescription="Create a new document." ma:contentTypeScope="" ma:versionID="96291512c1ee715ab617f4c07df79fc1">
   <xsd:schema xmlns:xsd="http://www.w3.org/2001/XMLSchema" xmlns:xs="http://www.w3.org/2001/XMLSchema" xmlns:p="http://schemas.microsoft.com/office/2006/metadata/properties" xmlns:ns2="71af3243-3dd4-4a8d-8c0d-dd76da1f02a5" xmlns:ns3="16c05727-aa75-4e4a-9b5f-8a80a1165891" targetNamespace="http://schemas.microsoft.com/office/2006/metadata/properties" ma:root="true" ma:fieldsID="8256c27c40ca5c40ce1cf6c44f0205df" ns2:_="" ns3:_="">
     <xsd:import namespace="71af3243-3dd4-4a8d-8c0d-dd76da1f02a5"/>
@@ -27705,24 +27659,32 @@
 </ct:contentTypeSchema>
 </file>
 
-<file path=customXml/item2.xml><?xml version="1.0" encoding="utf-8"?>
-<?mso-contentType ?>
-<FormTemplates xmlns="http://schemas.microsoft.com/sharepoint/v3/contenttype/forms">
-  <Display>DocumentLibraryForm</Display>
-  <Edit>DocumentLibraryForm</Edit>
-  <New>DocumentLibraryForm</New>
-</FormTemplates>
+<file path=customXml/itemProps1.xml><?xml version="1.0" encoding="utf-8"?>
+<ds:datastoreItem xmlns:ds="http://schemas.openxmlformats.org/officeDocument/2006/customXml" ds:itemID="{F5757914-1161-4661-9696-421FD6935CDD}">
+  <ds:schemaRefs>
+    <ds:schemaRef ds:uri="http://purl.org/dc/terms/"/>
+    <ds:schemaRef ds:uri="http://schemas.openxmlformats.org/package/2006/metadata/core-properties"/>
+    <ds:schemaRef ds:uri="16c05727-aa75-4e4a-9b5f-8a80a1165891"/>
+    <ds:schemaRef ds:uri="http://purl.org/dc/dcmitype/"/>
+    <ds:schemaRef ds:uri="http://schemas.microsoft.com/office/infopath/2007/PartnerControls"/>
+    <ds:schemaRef ds:uri="http://purl.org/dc/elements/1.1/"/>
+    <ds:schemaRef ds:uri="http://schemas.microsoft.com/office/2006/metadata/properties"/>
+    <ds:schemaRef ds:uri="http://schemas.microsoft.com/office/2006/documentManagement/types"/>
+    <ds:schemaRef ds:uri="71af3243-3dd4-4a8d-8c0d-dd76da1f02a5"/>
+    <ds:schemaRef ds:uri="http://www.w3.org/XML/1998/namespace"/>
+  </ds:schemaRefs>
+</ds:datastoreItem>
 </file>
 
-<file path=customXml/item3.xml><?xml version="1.0" encoding="utf-8"?>
-<p:properties xmlns:p="http://schemas.microsoft.com/office/2006/metadata/properties" xmlns:xsi="http://www.w3.org/2001/XMLSchema-instance" xmlns:pc="http://schemas.microsoft.com/office/infopath/2007/PartnerControls">
-  <documentManagement>
-    <MediaServiceKeyPoints xmlns="71af3243-3dd4-4a8d-8c0d-dd76da1f02a5" xsi:nil="true"/>
-  </documentManagement>
-</p:properties>
+<file path=customXml/itemProps2.xml><?xml version="1.0" encoding="utf-8"?>
+<ds:datastoreItem xmlns:ds="http://schemas.openxmlformats.org/officeDocument/2006/customXml" ds:itemID="{5B26E0C9-B2AA-42E6-97B6-E1B7D9EAF129}">
+  <ds:schemaRefs>
+    <ds:schemaRef ds:uri="http://schemas.microsoft.com/sharepoint/v3/contenttype/forms"/>
+  </ds:schemaRefs>
+</ds:datastoreItem>
 </file>
 
-<file path=customXml/itemProps1.xml><?xml version="1.0" encoding="utf-8"?>
+<file path=customXml/itemProps3.xml><?xml version="1.0" encoding="utf-8"?>
 <ds:datastoreItem xmlns:ds="http://schemas.openxmlformats.org/officeDocument/2006/customXml" ds:itemID="{4C103400-4A22-4E35-B588-4C4D42638959}">
   <ds:schemaRefs>
     <ds:schemaRef ds:uri="http://schemas.microsoft.com/office/2006/metadata/contentType"/>
@@ -27739,29 +27701,4 @@
     <ds:schemaRef ds:uri="http://schemas.microsoft.com/internal/obd"/>
   </ds:schemaRefs>
 </ds:datastoreItem>
-</file>
-
-<file path=customXml/itemProps2.xml><?xml version="1.0" encoding="utf-8"?>
-<ds:datastoreItem xmlns:ds="http://schemas.openxmlformats.org/officeDocument/2006/customXml" ds:itemID="{5B26E0C9-B2AA-42E6-97B6-E1B7D9EAF129}">
-  <ds:schemaRefs>
-    <ds:schemaRef ds:uri="http://schemas.microsoft.com/sharepoint/v3/contenttype/forms"/>
-  </ds:schemaRefs>
-</ds:datastoreItem>
-</file>
-
-<file path=customXml/itemProps3.xml><?xml version="1.0" encoding="utf-8"?>
-<ds:datastoreItem xmlns:ds="http://schemas.openxmlformats.org/officeDocument/2006/customXml" ds:itemID="{F5757914-1161-4661-9696-421FD6935CDD}">
-  <ds:schemaRefs>
-    <ds:schemaRef ds:uri="http://purl.org/dc/terms/"/>
-    <ds:schemaRef ds:uri="http://schemas.openxmlformats.org/package/2006/metadata/core-properties"/>
-    <ds:schemaRef ds:uri="16c05727-aa75-4e4a-9b5f-8a80a1165891"/>
-    <ds:schemaRef ds:uri="http://purl.org/dc/dcmitype/"/>
-    <ds:schemaRef ds:uri="http://schemas.microsoft.com/office/infopath/2007/PartnerControls"/>
-    <ds:schemaRef ds:uri="http://purl.org/dc/elements/1.1/"/>
-    <ds:schemaRef ds:uri="http://schemas.microsoft.com/office/2006/metadata/properties"/>
-    <ds:schemaRef ds:uri="http://schemas.microsoft.com/office/2006/documentManagement/types"/>
-    <ds:schemaRef ds:uri="71af3243-3dd4-4a8d-8c0d-dd76da1f02a5"/>
-    <ds:schemaRef ds:uri="http://www.w3.org/XML/1998/namespace"/>
-  </ds:schemaRefs>
-</ds:datastoreItem>
 </file>